--- a/Projektpräsentation.pptx
+++ b/Projektpräsentation.pptx
@@ -6002,7 +6002,7 @@
           <a:p>
             <a:fld id="{276817F0-84FC-C145-AFC3-FA42D1D21F8E}" type="datetimeFigureOut">
               <a:rPr lang="de-DE" smtClean="0"/>
-              <a:t>11.06.2019</a:t>
+              <a:t>12.06.2019</a:t>
             </a:fld>
             <a:endParaRPr lang="de-DE"/>
           </a:p>
@@ -6168,7 +6168,7 @@
           <a:p>
             <a:fld id="{F80FA3C8-DE25-7348-A1F7-D749F91943C8}" type="datetimeFigureOut">
               <a:rPr lang="de-DE" smtClean="0"/>
-              <a:t>11.06.2019</a:t>
+              <a:t>12.06.2019</a:t>
             </a:fld>
             <a:endParaRPr lang="de-DE"/>
           </a:p>
@@ -6644,7 +6644,7 @@
           <a:p>
             <a:fld id="{E98B6C37-2B41-447B-8764-EF2F69375CF8}" type="datetime1">
               <a:rPr lang="de-DE" smtClean="0"/>
-              <a:t>11.06.2019</a:t>
+              <a:t>12.06.2019</a:t>
             </a:fld>
             <a:endParaRPr lang="de-DE" dirty="0"/>
           </a:p>
@@ -6864,7 +6864,7 @@
           <a:p>
             <a:fld id="{0EFF8CB1-A472-480D-BCA1-90B3EE077451}" type="datetime1">
               <a:rPr lang="de-DE" smtClean="0"/>
-              <a:t>11.06.2019</a:t>
+              <a:t>12.06.2019</a:t>
             </a:fld>
             <a:endParaRPr lang="de-DE" dirty="0"/>
           </a:p>
@@ -7143,7 +7143,7 @@
           <a:p>
             <a:fld id="{E27D8698-3B69-4369-916A-E97E263B09F8}" type="datetime1">
               <a:rPr lang="de-DE" smtClean="0"/>
-              <a:t>11.06.2019</a:t>
+              <a:t>12.06.2019</a:t>
             </a:fld>
             <a:endParaRPr lang="de-DE"/>
           </a:p>
@@ -7443,7 +7443,7 @@
           <a:p>
             <a:fld id="{32189397-C7CE-464C-BC4B-705C0F4D343C}" type="datetime1">
               <a:rPr lang="de-DE" smtClean="0"/>
-              <a:t>11.06.2019</a:t>
+              <a:t>12.06.2019</a:t>
             </a:fld>
             <a:endParaRPr lang="de-DE"/>
           </a:p>
@@ -7575,7 +7575,7 @@
           <a:p>
             <a:fld id="{B04E79E0-D755-4A20-B007-D384763E26EA}" type="datetime1">
               <a:rPr lang="de-DE" smtClean="0"/>
-              <a:t>11.06.2019</a:t>
+              <a:t>12.06.2019</a:t>
             </a:fld>
             <a:endParaRPr lang="de-DE"/>
           </a:p>
@@ -7685,7 +7685,7 @@
           <a:p>
             <a:fld id="{DC51DC17-05ED-436E-B781-DC25AA7DE434}" type="datetime1">
               <a:rPr lang="de-DE" smtClean="0"/>
-              <a:t>11.06.2019</a:t>
+              <a:t>12.06.2019</a:t>
             </a:fld>
             <a:endParaRPr lang="de-DE"/>
           </a:p>
@@ -7976,7 +7976,7 @@
           <a:p>
             <a:fld id="{66C1636A-6039-48C2-952F-36FEC0099677}" type="datetime1">
               <a:rPr lang="de-DE" smtClean="0"/>
-              <a:t>11.06.2019</a:t>
+              <a:t>12.06.2019</a:t>
             </a:fld>
             <a:endParaRPr lang="de-DE"/>
           </a:p>
@@ -8244,7 +8244,7 @@
           <a:p>
             <a:fld id="{92E91965-D069-4BD7-BD9B-AD3146D99A70}" type="datetime1">
               <a:rPr lang="de-DE" smtClean="0"/>
-              <a:t>11.06.2019</a:t>
+              <a:t>12.06.2019</a:t>
             </a:fld>
             <a:endParaRPr lang="de-DE" dirty="0"/>
           </a:p>
@@ -8676,7 +8676,7 @@
             </a:r>
             <a:r>
               <a:rPr lang="de-DE" sz="2800" dirty="0" err="1"/>
-              <a:t>ladders</a:t>
+              <a:t>Ladders</a:t>
             </a:r>
             <a:endParaRPr lang="de-DE" sz="2800" dirty="0"/>
           </a:p>
@@ -8811,7 +8811,7 @@
           <a:p>
             <a:fld id="{0EFF8CB1-A472-480D-BCA1-90B3EE077451}" type="datetime1">
               <a:rPr lang="de-DE" smtClean="0"/>
-              <a:t>11.06.2019</a:t>
+              <a:t>12.06.2019</a:t>
             </a:fld>
             <a:endParaRPr lang="de-DE" dirty="0"/>
           </a:p>
@@ -8988,7 +8988,7 @@
           <a:p>
             <a:fld id="{0EFF8CB1-A472-480D-BCA1-90B3EE077451}" type="datetime1">
               <a:rPr lang="de-DE" smtClean="0"/>
-              <a:t>11.06.2019</a:t>
+              <a:t>12.06.2019</a:t>
             </a:fld>
             <a:endParaRPr lang="de-DE" dirty="0"/>
           </a:p>
@@ -9165,7 +9165,7 @@
           <a:p>
             <a:fld id="{0EFF8CB1-A472-480D-BCA1-90B3EE077451}" type="datetime1">
               <a:rPr lang="de-DE" smtClean="0"/>
-              <a:t>11.06.2019</a:t>
+              <a:t>12.06.2019</a:t>
             </a:fld>
             <a:endParaRPr lang="de-DE" dirty="0"/>
           </a:p>
@@ -9343,7 +9343,7 @@
           <a:p>
             <a:fld id="{0EFF8CB1-A472-480D-BCA1-90B3EE077451}" type="datetime1">
               <a:rPr lang="de-DE" smtClean="0"/>
-              <a:t>11.06.2019</a:t>
+              <a:t>12.06.2019</a:t>
             </a:fld>
             <a:endParaRPr lang="de-DE" dirty="0"/>
           </a:p>
@@ -9520,7 +9520,7 @@
           <a:p>
             <a:fld id="{0EFF8CB1-A472-480D-BCA1-90B3EE077451}" type="datetime1">
               <a:rPr lang="de-DE" smtClean="0"/>
-              <a:t>11.06.2019</a:t>
+              <a:t>12.06.2019</a:t>
             </a:fld>
             <a:endParaRPr lang="de-DE" dirty="0"/>
           </a:p>
@@ -9697,7 +9697,7 @@
           <a:p>
             <a:fld id="{0EFF8CB1-A472-480D-BCA1-90B3EE077451}" type="datetime1">
               <a:rPr lang="de-DE" smtClean="0"/>
-              <a:t>11.06.2019</a:t>
+              <a:t>12.06.2019</a:t>
             </a:fld>
             <a:endParaRPr lang="de-DE" dirty="0"/>
           </a:p>
@@ -9879,7 +9879,7 @@
           <a:p>
             <a:fld id="{0EFF8CB1-A472-480D-BCA1-90B3EE077451}" type="datetime1">
               <a:rPr lang="de-DE" smtClean="0"/>
-              <a:t>11.06.2019</a:t>
+              <a:t>12.06.2019</a:t>
             </a:fld>
             <a:endParaRPr lang="de-DE" dirty="0"/>
           </a:p>
@@ -10126,7 +10126,7 @@
           <a:p>
             <a:fld id="{E27D8698-3B69-4369-916A-E97E263B09F8}" type="datetime1">
               <a:rPr lang="de-DE" smtClean="0"/>
-              <a:t>11.06.2019</a:t>
+              <a:t>12.06.2019</a:t>
             </a:fld>
             <a:endParaRPr lang="de-DE"/>
           </a:p>
@@ -10295,7 +10295,7 @@
           <a:p>
             <a:fld id="{E27D8698-3B69-4369-916A-E97E263B09F8}" type="datetime1">
               <a:rPr lang="de-DE" smtClean="0"/>
-              <a:t>11.06.2019</a:t>
+              <a:t>12.06.2019</a:t>
             </a:fld>
             <a:endParaRPr lang="de-DE"/>
           </a:p>
@@ -10435,7 +10435,7 @@
           <a:p>
             <a:r>
               <a:rPr lang="de-DE" dirty="0"/>
-              <a:t>Erklärung: Schlangen und Leitern</a:t>
+              <a:t>Erklärung: Leiterspiel</a:t>
             </a:r>
           </a:p>
           <a:p>
@@ -10461,11 +10461,11 @@
             </a:r>
             <a:r>
               <a:rPr lang="de-DE" dirty="0" err="1"/>
-              <a:t>ladders</a:t>
+              <a:t>Ladders</a:t>
             </a:r>
             <a:r>
               <a:rPr lang="de-DE" dirty="0"/>
-              <a:t> Code</a:t>
+              <a:t>: Code</a:t>
             </a:r>
           </a:p>
           <a:p>
@@ -10493,7 +10493,7 @@
           <a:p>
             <a:fld id="{EA038FC8-964D-4DE3-8EA3-4D6FD235CB42}" type="datetime1">
               <a:rPr lang="de-DE" smtClean="0"/>
-              <a:t>11.06.2019</a:t>
+              <a:t>12.06.2019</a:t>
             </a:fld>
             <a:endParaRPr lang="de-DE" dirty="0"/>
           </a:p>
@@ -10686,7 +10686,7 @@
           <a:p>
             <a:fld id="{0EFF8CB1-A472-480D-BCA1-90B3EE077451}" type="datetime1">
               <a:rPr lang="de-DE" smtClean="0"/>
-              <a:t>11.06.2019</a:t>
+              <a:t>12.06.2019</a:t>
             </a:fld>
             <a:endParaRPr lang="de-DE" dirty="0"/>
           </a:p>
@@ -10803,7 +10803,7 @@
           <a:p>
             <a:r>
               <a:rPr lang="de-DE" dirty="0"/>
-              <a:t>Erklärung: Schlangen und Leitern</a:t>
+              <a:t>Erklärung: Leiterspiel</a:t>
             </a:r>
           </a:p>
         </p:txBody>
@@ -11181,7 +11181,7 @@
           <a:p>
             <a:fld id="{0EFF8CB1-A472-480D-BCA1-90B3EE077451}" type="datetime1">
               <a:rPr lang="de-DE" smtClean="0"/>
-              <a:t>11.06.2019</a:t>
+              <a:t>12.06.2019</a:t>
             </a:fld>
             <a:endParaRPr lang="de-DE" dirty="0"/>
           </a:p>
@@ -11404,7 +11404,7 @@
           <a:p>
             <a:fld id="{0EFF8CB1-A472-480D-BCA1-90B3EE077451}" type="datetime1">
               <a:rPr lang="de-DE" smtClean="0"/>
-              <a:t>11.06.2019</a:t>
+              <a:t>12.06.2019</a:t>
             </a:fld>
             <a:endParaRPr lang="de-DE" dirty="0"/>
           </a:p>
@@ -11521,7 +11521,7 @@
           <a:p>
             <a:r>
               <a:rPr lang="de-DE" dirty="0"/>
-              <a:t>Aufwands-/ Ressourcenschätzung</a:t>
+              <a:t>Aufwands-/Ressourcenschätzung</a:t>
             </a:r>
           </a:p>
         </p:txBody>
@@ -11549,7 +11549,7 @@
           <a:p>
             <a:fld id="{0EFF8CB1-A472-480D-BCA1-90B3EE077451}" type="datetime1">
               <a:rPr lang="de-DE" smtClean="0"/>
-              <a:t>11.06.2019</a:t>
+              <a:t>12.06.2019</a:t>
             </a:fld>
             <a:endParaRPr lang="de-DE" dirty="0"/>
           </a:p>
@@ -11720,7 +11720,7 @@
           <a:p>
             <a:fld id="{0EFF8CB1-A472-480D-BCA1-90B3EE077451}" type="datetime1">
               <a:rPr lang="de-DE" smtClean="0"/>
-              <a:t>11.06.2019</a:t>
+              <a:t>12.06.2019</a:t>
             </a:fld>
             <a:endParaRPr lang="de-DE" dirty="0"/>
           </a:p>
@@ -11901,7 +11901,7 @@
           <a:p>
             <a:fld id="{0EFF8CB1-A472-480D-BCA1-90B3EE077451}" type="datetime1">
               <a:rPr lang="de-DE" smtClean="0"/>
-              <a:t>11.06.2019</a:t>
+              <a:t>12.06.2019</a:t>
             </a:fld>
             <a:endParaRPr lang="de-DE" dirty="0"/>
           </a:p>
@@ -12062,7 +12062,7 @@
           <a:graphicData uri="http://schemas.openxmlformats.org/presentationml/2006/ole">
             <mc:AlternateContent xmlns:mc="http://schemas.openxmlformats.org/markup-compatibility/2006">
               <mc:Choice xmlns:v="urn:schemas-microsoft-com:vml" Requires="v">
-                <p:oleObj spid="_x0000_s1038" name="Visio" r:id="rId3" imgW="20490215" imgH="11178681" progId="Visio.Drawing.15">
+                <p:oleObj spid="_x0000_s1039" name="Visio" r:id="rId3" imgW="20490215" imgH="11178681" progId="Visio.Drawing.15">
                   <p:embed/>
                 </p:oleObj>
               </mc:Choice>

--- a/Projektpräsentation.pptx
+++ b/Projektpräsentation.pptx
@@ -6002,7 +6002,7 @@
           <a:p>
             <a:fld id="{276817F0-84FC-C145-AFC3-FA42D1D21F8E}" type="datetimeFigureOut">
               <a:rPr lang="de-DE" smtClean="0"/>
-              <a:t>12.06.2019</a:t>
+              <a:t>13.06.2019</a:t>
             </a:fld>
             <a:endParaRPr lang="de-DE"/>
           </a:p>
@@ -6168,7 +6168,7 @@
           <a:p>
             <a:fld id="{F80FA3C8-DE25-7348-A1F7-D749F91943C8}" type="datetimeFigureOut">
               <a:rPr lang="de-DE" smtClean="0"/>
-              <a:t>12.06.2019</a:t>
+              <a:t>13.06.2019</a:t>
             </a:fld>
             <a:endParaRPr lang="de-DE"/>
           </a:p>
@@ -6644,7 +6644,7 @@
           <a:p>
             <a:fld id="{E98B6C37-2B41-447B-8764-EF2F69375CF8}" type="datetime1">
               <a:rPr lang="de-DE" smtClean="0"/>
-              <a:t>12.06.2019</a:t>
+              <a:t>13.06.2019</a:t>
             </a:fld>
             <a:endParaRPr lang="de-DE" dirty="0"/>
           </a:p>
@@ -6864,7 +6864,7 @@
           <a:p>
             <a:fld id="{0EFF8CB1-A472-480D-BCA1-90B3EE077451}" type="datetime1">
               <a:rPr lang="de-DE" smtClean="0"/>
-              <a:t>12.06.2019</a:t>
+              <a:t>13.06.2019</a:t>
             </a:fld>
             <a:endParaRPr lang="de-DE" dirty="0"/>
           </a:p>
@@ -7143,7 +7143,7 @@
           <a:p>
             <a:fld id="{E27D8698-3B69-4369-916A-E97E263B09F8}" type="datetime1">
               <a:rPr lang="de-DE" smtClean="0"/>
-              <a:t>12.06.2019</a:t>
+              <a:t>13.06.2019</a:t>
             </a:fld>
             <a:endParaRPr lang="de-DE"/>
           </a:p>
@@ -7443,7 +7443,7 @@
           <a:p>
             <a:fld id="{32189397-C7CE-464C-BC4B-705C0F4D343C}" type="datetime1">
               <a:rPr lang="de-DE" smtClean="0"/>
-              <a:t>12.06.2019</a:t>
+              <a:t>13.06.2019</a:t>
             </a:fld>
             <a:endParaRPr lang="de-DE"/>
           </a:p>
@@ -7575,7 +7575,7 @@
           <a:p>
             <a:fld id="{B04E79E0-D755-4A20-B007-D384763E26EA}" type="datetime1">
               <a:rPr lang="de-DE" smtClean="0"/>
-              <a:t>12.06.2019</a:t>
+              <a:t>13.06.2019</a:t>
             </a:fld>
             <a:endParaRPr lang="de-DE"/>
           </a:p>
@@ -7685,7 +7685,7 @@
           <a:p>
             <a:fld id="{DC51DC17-05ED-436E-B781-DC25AA7DE434}" type="datetime1">
               <a:rPr lang="de-DE" smtClean="0"/>
-              <a:t>12.06.2019</a:t>
+              <a:t>13.06.2019</a:t>
             </a:fld>
             <a:endParaRPr lang="de-DE"/>
           </a:p>
@@ -7976,7 +7976,7 @@
           <a:p>
             <a:fld id="{66C1636A-6039-48C2-952F-36FEC0099677}" type="datetime1">
               <a:rPr lang="de-DE" smtClean="0"/>
-              <a:t>12.06.2019</a:t>
+              <a:t>13.06.2019</a:t>
             </a:fld>
             <a:endParaRPr lang="de-DE"/>
           </a:p>
@@ -8244,7 +8244,7 @@
           <a:p>
             <a:fld id="{92E91965-D069-4BD7-BD9B-AD3146D99A70}" type="datetime1">
               <a:rPr lang="de-DE" smtClean="0"/>
-              <a:t>12.06.2019</a:t>
+              <a:t>13.06.2019</a:t>
             </a:fld>
             <a:endParaRPr lang="de-DE" dirty="0"/>
           </a:p>
@@ -8811,7 +8811,7 @@
           <a:p>
             <a:fld id="{0EFF8CB1-A472-480D-BCA1-90B3EE077451}" type="datetime1">
               <a:rPr lang="de-DE" smtClean="0"/>
-              <a:t>12.06.2019</a:t>
+              <a:t>13.06.2019</a:t>
             </a:fld>
             <a:endParaRPr lang="de-DE" dirty="0"/>
           </a:p>
@@ -8988,7 +8988,7 @@
           <a:p>
             <a:fld id="{0EFF8CB1-A472-480D-BCA1-90B3EE077451}" type="datetime1">
               <a:rPr lang="de-DE" smtClean="0"/>
-              <a:t>12.06.2019</a:t>
+              <a:t>13.06.2019</a:t>
             </a:fld>
             <a:endParaRPr lang="de-DE" dirty="0"/>
           </a:p>
@@ -9165,7 +9165,7 @@
           <a:p>
             <a:fld id="{0EFF8CB1-A472-480D-BCA1-90B3EE077451}" type="datetime1">
               <a:rPr lang="de-DE" smtClean="0"/>
-              <a:t>12.06.2019</a:t>
+              <a:t>13.06.2019</a:t>
             </a:fld>
             <a:endParaRPr lang="de-DE" dirty="0"/>
           </a:p>
@@ -9343,7 +9343,7 @@
           <a:p>
             <a:fld id="{0EFF8CB1-A472-480D-BCA1-90B3EE077451}" type="datetime1">
               <a:rPr lang="de-DE" smtClean="0"/>
-              <a:t>12.06.2019</a:t>
+              <a:t>13.06.2019</a:t>
             </a:fld>
             <a:endParaRPr lang="de-DE" dirty="0"/>
           </a:p>
@@ -9520,7 +9520,7 @@
           <a:p>
             <a:fld id="{0EFF8CB1-A472-480D-BCA1-90B3EE077451}" type="datetime1">
               <a:rPr lang="de-DE" smtClean="0"/>
-              <a:t>12.06.2019</a:t>
+              <a:t>13.06.2019</a:t>
             </a:fld>
             <a:endParaRPr lang="de-DE" dirty="0"/>
           </a:p>
@@ -9697,7 +9697,7 @@
           <a:p>
             <a:fld id="{0EFF8CB1-A472-480D-BCA1-90B3EE077451}" type="datetime1">
               <a:rPr lang="de-DE" smtClean="0"/>
-              <a:t>12.06.2019</a:t>
+              <a:t>13.06.2019</a:t>
             </a:fld>
             <a:endParaRPr lang="de-DE" dirty="0"/>
           </a:p>
@@ -9879,7 +9879,7 @@
           <a:p>
             <a:fld id="{0EFF8CB1-A472-480D-BCA1-90B3EE077451}" type="datetime1">
               <a:rPr lang="de-DE" smtClean="0"/>
-              <a:t>12.06.2019</a:t>
+              <a:t>13.06.2019</a:t>
             </a:fld>
             <a:endParaRPr lang="de-DE" dirty="0"/>
           </a:p>
@@ -10126,7 +10126,7 @@
           <a:p>
             <a:fld id="{E27D8698-3B69-4369-916A-E97E263B09F8}" type="datetime1">
               <a:rPr lang="de-DE" smtClean="0"/>
-              <a:t>12.06.2019</a:t>
+              <a:t>13.06.2019</a:t>
             </a:fld>
             <a:endParaRPr lang="de-DE"/>
           </a:p>
@@ -10295,7 +10295,7 @@
           <a:p>
             <a:fld id="{E27D8698-3B69-4369-916A-E97E263B09F8}" type="datetime1">
               <a:rPr lang="de-DE" smtClean="0"/>
-              <a:t>12.06.2019</a:t>
+              <a:t>13.06.2019</a:t>
             </a:fld>
             <a:endParaRPr lang="de-DE"/>
           </a:p>
@@ -10493,7 +10493,7 @@
           <a:p>
             <a:fld id="{EA038FC8-964D-4DE3-8EA3-4D6FD235CB42}" type="datetime1">
               <a:rPr lang="de-DE" smtClean="0"/>
-              <a:t>12.06.2019</a:t>
+              <a:t>13.06.2019</a:t>
             </a:fld>
             <a:endParaRPr lang="de-DE" dirty="0"/>
           </a:p>
@@ -10686,7 +10686,7 @@
           <a:p>
             <a:fld id="{0EFF8CB1-A472-480D-BCA1-90B3EE077451}" type="datetime1">
               <a:rPr lang="de-DE" smtClean="0"/>
-              <a:t>12.06.2019</a:t>
+              <a:t>13.06.2019</a:t>
             </a:fld>
             <a:endParaRPr lang="de-DE" dirty="0"/>
           </a:p>
@@ -10890,7 +10890,7 @@
           <a:p>
             <a:fld id="{0EFF8CB1-A472-480D-BCA1-90B3EE077451}" type="datetime1">
               <a:rPr lang="de-DE" smtClean="0"/>
-              <a:t>12.06.2019</a:t>
+              <a:t>13.06.2019</a:t>
             </a:fld>
             <a:endParaRPr lang="de-DE" dirty="0"/>
           </a:p>
@@ -11181,7 +11181,7 @@
           <a:p>
             <a:fld id="{0EFF8CB1-A472-480D-BCA1-90B3EE077451}" type="datetime1">
               <a:rPr lang="de-DE" smtClean="0"/>
-              <a:t>12.06.2019</a:t>
+              <a:t>13.06.2019</a:t>
             </a:fld>
             <a:endParaRPr lang="de-DE" dirty="0"/>
           </a:p>
@@ -11404,7 +11404,7 @@
           <a:p>
             <a:fld id="{0EFF8CB1-A472-480D-BCA1-90B3EE077451}" type="datetime1">
               <a:rPr lang="de-DE" smtClean="0"/>
-              <a:t>12.06.2019</a:t>
+              <a:t>13.06.2019</a:t>
             </a:fld>
             <a:endParaRPr lang="de-DE" dirty="0"/>
           </a:p>
@@ -11549,7 +11549,7 @@
           <a:p>
             <a:fld id="{0EFF8CB1-A472-480D-BCA1-90B3EE077451}" type="datetime1">
               <a:rPr lang="de-DE" smtClean="0"/>
-              <a:t>12.06.2019</a:t>
+              <a:t>13.06.2019</a:t>
             </a:fld>
             <a:endParaRPr lang="de-DE" dirty="0"/>
           </a:p>
@@ -11720,7 +11720,7 @@
           <a:p>
             <a:fld id="{0EFF8CB1-A472-480D-BCA1-90B3EE077451}" type="datetime1">
               <a:rPr lang="de-DE" smtClean="0"/>
-              <a:t>12.06.2019</a:t>
+              <a:t>13.06.2019</a:t>
             </a:fld>
             <a:endParaRPr lang="de-DE" dirty="0"/>
           </a:p>
@@ -11901,7 +11901,7 @@
           <a:p>
             <a:fld id="{0EFF8CB1-A472-480D-BCA1-90B3EE077451}" type="datetime1">
               <a:rPr lang="de-DE" smtClean="0"/>
-              <a:t>12.06.2019</a:t>
+              <a:t>13.06.2019</a:t>
             </a:fld>
             <a:endParaRPr lang="de-DE" dirty="0"/>
           </a:p>
@@ -12062,7 +12062,7 @@
           <a:graphicData uri="http://schemas.openxmlformats.org/presentationml/2006/ole">
             <mc:AlternateContent xmlns:mc="http://schemas.openxmlformats.org/markup-compatibility/2006">
               <mc:Choice xmlns:v="urn:schemas-microsoft-com:vml" Requires="v">
-                <p:oleObj spid="_x0000_s1039" name="Visio" r:id="rId3" imgW="20490215" imgH="11178681" progId="Visio.Drawing.15">
+                <p:oleObj spid="_x0000_s1040" name="Visio" r:id="rId3" imgW="20490215" imgH="11178681" progId="Visio.Drawing.15">
                   <p:embed/>
                 </p:oleObj>
               </mc:Choice>
